--- a/MUDAC Case Competion Report.pptx
+++ b/MUDAC Case Competion Report.pptx
@@ -133,7 +133,7 @@
 </file>
 
 <file path=ppt/charts/chart1.xml><?xml version="1.0" encoding="utf-8"?>
-<c:chartSpace xmlns:c="http://schemas.openxmlformats.org/drawingml/2006/chart" xmlns:a="http://schemas.openxmlformats.org/drawingml/2006/main" xmlns:r="http://schemas.openxmlformats.org/officeDocument/2006/relationships">
+<c:chartSpace xmlns:c="http://schemas.openxmlformats.org/drawingml/2006/chart" xmlns:a="http://schemas.openxmlformats.org/drawingml/2006/main" xmlns:r="http://schemas.openxmlformats.org/officeDocument/2006/relationships" xmlns:c16r2="http://schemas.microsoft.com/office/drawing/2015/06/chart">
   <c:date1904 val="0"/>
   <c:lang val="en-US"/>
   <c:roundedCorners val="0"/>
@@ -166,7 +166,6 @@
           </a:p>
         </c:rich>
       </c:tx>
-      <c:layout/>
       <c:overlay val="0"/>
     </c:title>
     <c:autoTitleDeleted val="0"/>
@@ -292,7 +291,7 @@
 </file>
 
 <file path=ppt/charts/chart2.xml><?xml version="1.0" encoding="utf-8"?>
-<c:chartSpace xmlns:c="http://schemas.openxmlformats.org/drawingml/2006/chart" xmlns:a="http://schemas.openxmlformats.org/drawingml/2006/main" xmlns:r="http://schemas.openxmlformats.org/officeDocument/2006/relationships">
+<c:chartSpace xmlns:c="http://schemas.openxmlformats.org/drawingml/2006/chart" xmlns:a="http://schemas.openxmlformats.org/drawingml/2006/main" xmlns:r="http://schemas.openxmlformats.org/officeDocument/2006/relationships" xmlns:c16r2="http://schemas.microsoft.com/office/drawing/2015/06/chart">
   <c:date1904 val="0"/>
   <c:lang val="en-US"/>
   <c:roundedCorners val="0"/>
@@ -326,7 +325,6 @@
           </a:p>
         </c:rich>
       </c:tx>
-      <c:layout/>
       <c:overlay val="0"/>
     </c:title>
     <c:autoTitleDeleted val="0"/>
@@ -10842,14 +10840,14 @@
           <a:effectLst/>
           <a:extLst>
             <a:ext uri="{909E8E84-426E-40dd-AFC4-6F175D3DCCD1}">
-              <a14:hiddenFill xmlns="" xmlns:a14="http://schemas.microsoft.com/office/drawing/2010/main">
+              <a14:hiddenFill xmlns:a14="http://schemas.microsoft.com/office/drawing/2010/main" xmlns="">
                 <a:solidFill>
                   <a:schemeClr val="accent1"/>
                 </a:solidFill>
               </a14:hiddenFill>
             </a:ext>
             <a:ext uri="{91240B29-F687-4f45-9708-019B960494DF}">
-              <a14:hiddenLine xmlns="" xmlns:a14="http://schemas.microsoft.com/office/drawing/2010/main" w="9525">
+              <a14:hiddenLine xmlns:a14="http://schemas.microsoft.com/office/drawing/2010/main" xmlns="" w="9525">
                 <a:solidFill>
                   <a:schemeClr val="tx1"/>
                 </a:solidFill>
@@ -10859,7 +10857,7 @@
               </a14:hiddenLine>
             </a:ext>
             <a:ext uri="{AF507438-7753-43e0-B8FC-AC1667EBCBE1}">
-              <a14:hiddenEffects xmlns="" xmlns:a14="http://schemas.microsoft.com/office/drawing/2010/main">
+              <a14:hiddenEffects xmlns:a14="http://schemas.microsoft.com/office/drawing/2010/main" xmlns="">
                 <a:effectLst>
                   <a:outerShdw dist="35921" dir="2700000" algn="ctr" rotWithShape="0">
                     <a:schemeClr val="bg2"/>
@@ -26400,7 +26398,7 @@
           <a:noFill/>
           <a:extLst>
             <a:ext uri="{909E8E84-426E-40dd-AFC4-6F175D3DCCD1}">
-              <a14:hiddenFill xmlns="" xmlns:a14="http://schemas.microsoft.com/office/drawing/2010/main">
+              <a14:hiddenFill xmlns:a14="http://schemas.microsoft.com/office/drawing/2010/main" xmlns="">
                 <a:solidFill>
                   <a:srgbClr val="FFFFFF"/>
                 </a:solidFill>
@@ -30296,7 +30294,7 @@
           <a:noFill/>
           <a:extLst>
             <a:ext uri="{909E8E84-426E-40dd-AFC4-6F175D3DCCD1}">
-              <a14:hiddenFill xmlns="" xmlns:a14="http://schemas.microsoft.com/office/drawing/2010/main">
+              <a14:hiddenFill xmlns:a14="http://schemas.microsoft.com/office/drawing/2010/main" xmlns="">
                 <a:solidFill>
                   <a:srgbClr val="FFFFFF"/>
                 </a:solidFill>
@@ -30504,21 +30502,8 @@
                   <a:srgbClr val="000000"/>
                 </a:solidFill>
               </a:rPr>
-              <a:t>KNN: </a:t>
-            </a:r>
-            <a:r>
-              <a:rPr lang="en-US" sz="1700" dirty="0" smtClean="0">
-                <a:solidFill>
-                  <a:srgbClr val="000000"/>
-                </a:solidFill>
-              </a:rPr>
-              <a:t>70%</a:t>
-            </a:r>
-            <a:endParaRPr lang="en-US" sz="1700" dirty="0" smtClean="0">
-              <a:solidFill>
-                <a:srgbClr val="000000"/>
-              </a:solidFill>
-            </a:endParaRPr>
+              <a:t>KNN: 70%</a:t>
+            </a:r>
           </a:p>
           <a:p>
             <a:pPr marL="742950" lvl="1" indent="-285750">
@@ -30531,15 +30516,7 @@
                   <a:srgbClr val="000000"/>
                 </a:solidFill>
               </a:rPr>
-              <a:t>LDA: </a:t>
-            </a:r>
-            <a:r>
-              <a:rPr lang="en-US" sz="1700" dirty="0" smtClean="0">
-                <a:solidFill>
-                  <a:srgbClr val="000000"/>
-                </a:solidFill>
-              </a:rPr>
-              <a:t>75%</a:t>
+              <a:t>LDA: 75%</a:t>
             </a:r>
             <a:endParaRPr lang="en-US" sz="1700" dirty="0">
               <a:solidFill>
@@ -31347,7 +31324,6 @@
               <a:rPr lang="en-US" dirty="0"/>
               <a:t>Predicted Client Insight</a:t>
             </a:r>
-            <a:endParaRPr lang="en-US" dirty="0"/>
           </a:p>
         </p:txBody>
       </p:sp>
@@ -32376,7 +32352,7 @@
           <a:noFill/>
           <a:extLst>
             <a:ext uri="{909E8E84-426E-40dd-AFC4-6F175D3DCCD1}">
-              <a14:hiddenFill xmlns="" xmlns:a14="http://schemas.microsoft.com/office/drawing/2010/main">
+              <a14:hiddenFill xmlns:a14="http://schemas.microsoft.com/office/drawing/2010/main" xmlns="">
                 <a:solidFill>
                   <a:srgbClr val="FFFFFF"/>
                 </a:solidFill>
